--- a/Final Submission/Design/Slides-Eco Bike Rental - Group 18.pptx
+++ b/Final Submission/Design/Slides-Eco Bike Rental - Group 18.pptx
@@ -180,7 +180,7 @@
 <file path=ppt/revisionInfo.xml><?xml version="1.0" encoding="utf-8"?>
 <p1510:revInfo xmlns:a="http://schemas.openxmlformats.org/drawingml/2006/main" xmlns:r="http://schemas.openxmlformats.org/officeDocument/2006/relationships" xmlns:p1510="http://schemas.microsoft.com/office/powerpoint/2015/10/main">
   <p1510:revLst>
-    <p1510:client id="{AC9E2F4F-5C57-4516-8FCD-5A13503B139B}" v="582" dt="2022-01-04T17:29:37.213"/>
+    <p1510:client id="{AC9E2F4F-5C57-4516-8FCD-5A13503B139B}" v="673" dt="2022-01-05T04:10:20.807"/>
   </p1510:revLst>
 </p1510:revInfo>
 </file>
@@ -190,7 +190,7 @@
   <pc:docChgLst>
     <pc:chgData name="Nguyen Chien" userId="0056f4624fa56cb3" providerId="LiveId" clId="{AC9E2F4F-5C57-4516-8FCD-5A13503B139B}"/>
     <pc:docChg chg="undo custSel addSld delSld modSld sldOrd">
-      <pc:chgData name="Nguyen Chien" userId="0056f4624fa56cb3" providerId="LiveId" clId="{AC9E2F4F-5C57-4516-8FCD-5A13503B139B}" dt="2022-01-04T17:29:57.441" v="3444" actId="403"/>
+      <pc:chgData name="Nguyen Chien" userId="0056f4624fa56cb3" providerId="LiveId" clId="{AC9E2F4F-5C57-4516-8FCD-5A13503B139B}" dt="2022-01-05T04:10:20.807" v="3537"/>
       <pc:docMkLst>
         <pc:docMk/>
       </pc:docMkLst>
@@ -257,7 +257,7 @@
         </pc:spChg>
       </pc:sldChg>
       <pc:sldChg chg="addSp delSp modSp mod setBg modAnim">
-        <pc:chgData name="Nguyen Chien" userId="0056f4624fa56cb3" providerId="LiveId" clId="{AC9E2F4F-5C57-4516-8FCD-5A13503B139B}" dt="2022-01-04T14:38:23.789" v="2807"/>
+        <pc:chgData name="Nguyen Chien" userId="0056f4624fa56cb3" providerId="LiveId" clId="{AC9E2F4F-5C57-4516-8FCD-5A13503B139B}" dt="2022-01-05T04:00:23.110" v="3510" actId="20577"/>
         <pc:sldMkLst>
           <pc:docMk/>
           <pc:sldMk cId="497083606" sldId="335"/>
@@ -391,7 +391,7 @@
           </ac:grpSpMkLst>
         </pc:grpChg>
         <pc:graphicFrameChg chg="add mod modGraphic">
-          <ac:chgData name="Nguyen Chien" userId="0056f4624fa56cb3" providerId="LiveId" clId="{AC9E2F4F-5C57-4516-8FCD-5A13503B139B}" dt="2022-01-04T14:38:09.011" v="2797"/>
+          <ac:chgData name="Nguyen Chien" userId="0056f4624fa56cb3" providerId="LiveId" clId="{AC9E2F4F-5C57-4516-8FCD-5A13503B139B}" dt="2022-01-05T04:00:23.110" v="3510" actId="20577"/>
           <ac:graphicFrameMkLst>
             <pc:docMk/>
             <pc:sldMk cId="497083606" sldId="335"/>
@@ -622,7 +622,7 @@
         </pc:cxnChg>
       </pc:sldChg>
       <pc:sldChg chg="addSp delSp modSp new mod modAnim">
-        <pc:chgData name="Nguyen Chien" userId="0056f4624fa56cb3" providerId="LiveId" clId="{AC9E2F4F-5C57-4516-8FCD-5A13503B139B}" dt="2022-01-04T17:27:06.500" v="3363"/>
+        <pc:chgData name="Nguyen Chien" userId="0056f4624fa56cb3" providerId="LiveId" clId="{AC9E2F4F-5C57-4516-8FCD-5A13503B139B}" dt="2022-01-05T04:02:58.019" v="3519"/>
         <pc:sldMkLst>
           <pc:docMk/>
           <pc:sldMk cId="4007288224" sldId="340"/>
@@ -635,6 +635,14 @@
             <ac:spMk id="2" creationId="{5054443C-41B7-4C04-B2F5-D649CD8243D1}"/>
           </ac:spMkLst>
         </pc:spChg>
+        <pc:spChg chg="add mod">
+          <ac:chgData name="Nguyen Chien" userId="0056f4624fa56cb3" providerId="LiveId" clId="{AC9E2F4F-5C57-4516-8FCD-5A13503B139B}" dt="2022-01-05T04:02:17.045" v="3511" actId="478"/>
+          <ac:spMkLst>
+            <pc:docMk/>
+            <pc:sldMk cId="4007288224" sldId="340"/>
+            <ac:spMk id="3" creationId="{2E07DFCD-7DBB-4CCD-B94D-EE6D9E2A70FF}"/>
+          </ac:spMkLst>
+        </pc:spChg>
         <pc:spChg chg="del">
           <ac:chgData name="Nguyen Chien" userId="0056f4624fa56cb3" providerId="LiveId" clId="{AC9E2F4F-5C57-4516-8FCD-5A13503B139B}" dt="2022-01-04T10:17:19.126" v="660"/>
           <ac:spMkLst>
@@ -643,12 +651,20 @@
             <ac:spMk id="3" creationId="{4BFC2B16-9D46-470E-818E-DD09F2527C0C}"/>
           </ac:spMkLst>
         </pc:spChg>
-        <pc:picChg chg="add mod">
-          <ac:chgData name="Nguyen Chien" userId="0056f4624fa56cb3" providerId="LiveId" clId="{AC9E2F4F-5C57-4516-8FCD-5A13503B139B}" dt="2022-01-04T10:17:22.140" v="661" actId="27614"/>
+        <pc:picChg chg="add del mod">
+          <ac:chgData name="Nguyen Chien" userId="0056f4624fa56cb3" providerId="LiveId" clId="{AC9E2F4F-5C57-4516-8FCD-5A13503B139B}" dt="2022-01-05T04:02:17.045" v="3511" actId="478"/>
           <ac:picMkLst>
             <pc:docMk/>
             <pc:sldMk cId="4007288224" sldId="340"/>
             <ac:picMk id="5" creationId="{76A12E6F-1E1D-4102-A84C-EEC58CAF70A9}"/>
+          </ac:picMkLst>
+        </pc:picChg>
+        <pc:picChg chg="add mod">
+          <ac:chgData name="Nguyen Chien" userId="0056f4624fa56cb3" providerId="LiveId" clId="{AC9E2F4F-5C57-4516-8FCD-5A13503B139B}" dt="2022-01-05T04:02:51.142" v="3518" actId="14100"/>
+          <ac:picMkLst>
+            <pc:docMk/>
+            <pc:sldMk cId="4007288224" sldId="340"/>
+            <ac:picMk id="6" creationId="{BD846693-47DC-43A9-A2A3-AB7A307A3933}"/>
           </ac:picMkLst>
         </pc:picChg>
       </pc:sldChg>
@@ -761,7 +777,7 @@
         </pc:picChg>
       </pc:sldChg>
       <pc:sldChg chg="addSp delSp modSp new mod modAnim">
-        <pc:chgData name="Nguyen Chien" userId="0056f4624fa56cb3" providerId="LiveId" clId="{AC9E2F4F-5C57-4516-8FCD-5A13503B139B}" dt="2022-01-04T17:28:51.026" v="3435"/>
+        <pc:chgData name="Nguyen Chien" userId="0056f4624fa56cb3" providerId="LiveId" clId="{AC9E2F4F-5C57-4516-8FCD-5A13503B139B}" dt="2022-01-05T04:10:20.807" v="3537"/>
         <pc:sldMkLst>
           <pc:docMk/>
           <pc:sldMk cId="758466592" sldId="345"/>
@@ -792,7 +808,7 @@
         </pc:picChg>
       </pc:sldChg>
       <pc:sldChg chg="addSp delSp modSp new mod modAnim">
-        <pc:chgData name="Nguyen Chien" userId="0056f4624fa56cb3" providerId="LiveId" clId="{AC9E2F4F-5C57-4516-8FCD-5A13503B139B}" dt="2022-01-04T17:28:46.931" v="3434"/>
+        <pc:chgData name="Nguyen Chien" userId="0056f4624fa56cb3" providerId="LiveId" clId="{AC9E2F4F-5C57-4516-8FCD-5A13503B139B}" dt="2022-01-05T04:09:04.490" v="3535"/>
         <pc:sldMkLst>
           <pc:docMk/>
           <pc:sldMk cId="4156623554" sldId="346"/>
@@ -813,17 +829,33 @@
             <ac:spMk id="3" creationId="{18B8A315-BB43-4559-BB52-75B9F7048824}"/>
           </ac:spMkLst>
         </pc:spChg>
-        <pc:picChg chg="add mod">
-          <ac:chgData name="Nguyen Chien" userId="0056f4624fa56cb3" providerId="LiveId" clId="{AC9E2F4F-5C57-4516-8FCD-5A13503B139B}" dt="2022-01-04T13:31:31.233" v="865" actId="27614"/>
+        <pc:spChg chg="add del mod">
+          <ac:chgData name="Nguyen Chien" userId="0056f4624fa56cb3" providerId="LiveId" clId="{AC9E2F4F-5C57-4516-8FCD-5A13503B139B}" dt="2022-01-05T04:08:54.445" v="3529"/>
+          <ac:spMkLst>
+            <pc:docMk/>
+            <pc:sldMk cId="4156623554" sldId="346"/>
+            <ac:spMk id="3" creationId="{7FF5A9F7-7FE9-4D7E-9C3D-4946BA903B8F}"/>
+          </ac:spMkLst>
+        </pc:spChg>
+        <pc:picChg chg="add del mod">
+          <ac:chgData name="Nguyen Chien" userId="0056f4624fa56cb3" providerId="LiveId" clId="{AC9E2F4F-5C57-4516-8FCD-5A13503B139B}" dt="2022-01-05T04:08:49.962" v="3528" actId="478"/>
           <ac:picMkLst>
             <pc:docMk/>
             <pc:sldMk cId="4156623554" sldId="346"/>
             <ac:picMk id="5" creationId="{549A449B-9BB6-455B-90BC-302576866E7E}"/>
           </ac:picMkLst>
         </pc:picChg>
+        <pc:picChg chg="add mod">
+          <ac:chgData name="Nguyen Chien" userId="0056f4624fa56cb3" providerId="LiveId" clId="{AC9E2F4F-5C57-4516-8FCD-5A13503B139B}" dt="2022-01-05T04:09:03.370" v="3534" actId="1076"/>
+          <ac:picMkLst>
+            <pc:docMk/>
+            <pc:sldMk cId="4156623554" sldId="346"/>
+            <ac:picMk id="6" creationId="{0DEBBBA1-55A6-449F-83D2-FFBD4CDA2E2A}"/>
+          </ac:picMkLst>
+        </pc:picChg>
       </pc:sldChg>
       <pc:sldChg chg="addSp delSp modSp new mod modAnim">
-        <pc:chgData name="Nguyen Chien" userId="0056f4624fa56cb3" providerId="LiveId" clId="{AC9E2F4F-5C57-4516-8FCD-5A13503B139B}" dt="2022-01-04T17:28:41.962" v="3433"/>
+        <pc:chgData name="Nguyen Chien" userId="0056f4624fa56cb3" providerId="LiveId" clId="{AC9E2F4F-5C57-4516-8FCD-5A13503B139B}" dt="2022-01-05T04:08:41.281" v="3527"/>
         <pc:sldMkLst>
           <pc:docMk/>
           <pc:sldMk cId="1604746230" sldId="347"/>
@@ -844,12 +876,28 @@
             <ac:spMk id="3" creationId="{2A50AE82-43A2-4546-A966-1B9083428C11}"/>
           </ac:spMkLst>
         </pc:spChg>
-        <pc:picChg chg="add mod">
-          <ac:chgData name="Nguyen Chien" userId="0056f4624fa56cb3" providerId="LiveId" clId="{AC9E2F4F-5C57-4516-8FCD-5A13503B139B}" dt="2022-01-04T13:29:31.675" v="820" actId="27614"/>
+        <pc:spChg chg="add del mod">
+          <ac:chgData name="Nguyen Chien" userId="0056f4624fa56cb3" providerId="LiveId" clId="{AC9E2F4F-5C57-4516-8FCD-5A13503B139B}" dt="2022-01-05T04:08:30.555" v="3521"/>
+          <ac:spMkLst>
+            <pc:docMk/>
+            <pc:sldMk cId="1604746230" sldId="347"/>
+            <ac:spMk id="3" creationId="{F584D58B-04BF-48BB-9A55-BD5D6169F54F}"/>
+          </ac:spMkLst>
+        </pc:spChg>
+        <pc:picChg chg="add del mod">
+          <ac:chgData name="Nguyen Chien" userId="0056f4624fa56cb3" providerId="LiveId" clId="{AC9E2F4F-5C57-4516-8FCD-5A13503B139B}" dt="2022-01-05T04:08:27.320" v="3520" actId="478"/>
           <ac:picMkLst>
             <pc:docMk/>
             <pc:sldMk cId="1604746230" sldId="347"/>
             <ac:picMk id="5" creationId="{B3BD9F75-DCB6-44C4-836E-410977C3A0EE}"/>
+          </ac:picMkLst>
+        </pc:picChg>
+        <pc:picChg chg="add mod">
+          <ac:chgData name="Nguyen Chien" userId="0056f4624fa56cb3" providerId="LiveId" clId="{AC9E2F4F-5C57-4516-8FCD-5A13503B139B}" dt="2022-01-05T04:08:40.297" v="3526" actId="1076"/>
+          <ac:picMkLst>
+            <pc:docMk/>
+            <pc:sldMk cId="1604746230" sldId="347"/>
+            <ac:picMk id="6" creationId="{8FC940EF-AEC5-46E5-8A78-46D0E47AF1F8}"/>
           </ac:picMkLst>
         </pc:picChg>
       </pc:sldChg>
@@ -1793,6 +1841,11 @@
               </a:ln>
               <a:effectLst/>
             </c:spPr>
+            <c:extLst>
+              <c:ext xmlns:c16="http://schemas.microsoft.com/office/drawing/2014/chart" uri="{C3380CC4-5D6E-409C-BE32-E72D297353CC}">
+                <c16:uniqueId val="{00000009-6ECE-4AF8-B4E1-9A530DF18376}"/>
+              </c:ext>
+            </c:extLst>
           </c:dPt>
           <c:dLbls>
             <c:spPr>
@@ -11569,7 +11622,7 @@
           </a:r>
           <a:r>
             <a:rPr lang="en-US" dirty="0"/>
-            <a:t>	</a:t>
+            <a:t> - 20183870	</a:t>
           </a:r>
         </a:p>
       </dgm:t>
@@ -11623,7 +11676,10 @@
             <a:rPr lang="en-US" dirty="0" err="1"/>
             <a:t>Cường</a:t>
           </a:r>
-          <a:endParaRPr lang="en-US" dirty="0"/>
+          <a:r>
+            <a:rPr lang="en-US" dirty="0"/>
+            <a:t> - 20183874</a:t>
+          </a:r>
         </a:p>
       </dgm:t>
     </dgm:pt>
@@ -11676,7 +11732,10 @@
             <a:rPr lang="en-US" dirty="0" err="1"/>
             <a:t>Đăng</a:t>
           </a:r>
-          <a:endParaRPr lang="en-US" dirty="0"/>
+          <a:r>
+            <a:rPr lang="en-US" dirty="0"/>
+            <a:t> - 20183877</a:t>
+          </a:r>
         </a:p>
       </dgm:t>
     </dgm:pt>
@@ -11737,7 +11796,10 @@
             <a:rPr lang="en-US" dirty="0" err="1"/>
             <a:t>Kiên</a:t>
           </a:r>
-          <a:endParaRPr lang="en-US" dirty="0"/>
+          <a:r>
+            <a:rPr lang="en-US" dirty="0"/>
+            <a:t> - 20183935 </a:t>
+          </a:r>
         </a:p>
       </dgm:t>
     </dgm:pt>
@@ -12441,7 +12503,7 @@
           </a:r>
           <a:r>
             <a:rPr lang="en-US" sz="2300" kern="1200" dirty="0"/>
-            <a:t>	</a:t>
+            <a:t> - 20183870	</a:t>
           </a:r>
         </a:p>
       </dsp:txBody>
@@ -12586,7 +12648,10 @@
             <a:rPr lang="en-US" sz="2300" kern="1200" dirty="0" err="1"/>
             <a:t>Cường</a:t>
           </a:r>
-          <a:endParaRPr lang="en-US" sz="2300" kern="1200" dirty="0"/>
+          <a:r>
+            <a:rPr lang="en-US" sz="2300" kern="1200" dirty="0"/>
+            <a:t> - 20183874</a:t>
+          </a:r>
         </a:p>
       </dsp:txBody>
       <dsp:txXfrm>
@@ -12730,7 +12795,10 @@
             <a:rPr lang="en-US" sz="2300" kern="1200" dirty="0" err="1"/>
             <a:t>Đăng</a:t>
           </a:r>
-          <a:endParaRPr lang="en-US" sz="2300" kern="1200" dirty="0"/>
+          <a:r>
+            <a:rPr lang="en-US" sz="2300" kern="1200" dirty="0"/>
+            <a:t> - 20183877</a:t>
+          </a:r>
         </a:p>
       </dsp:txBody>
       <dsp:txXfrm>
@@ -12882,7 +12950,10 @@
             <a:rPr lang="en-US" sz="2300" kern="1200" dirty="0" err="1"/>
             <a:t>Kiên</a:t>
           </a:r>
-          <a:endParaRPr lang="en-US" sz="2300" kern="1200" dirty="0"/>
+          <a:r>
+            <a:rPr lang="en-US" sz="2300" kern="1200" dirty="0"/>
+            <a:t> - 20183935 </a:t>
+          </a:r>
         </a:p>
       </dsp:txBody>
       <dsp:txXfrm>
@@ -16042,7 +16113,7 @@
               <a:pPr>
                 <a:defRPr/>
               </a:pPr>
-              <a:t>1/4/2022</a:t>
+              <a:t>1/5/2022</a:t>
             </a:fld>
             <a:endParaRPr lang="en-US"/>
           </a:p>
@@ -16535,7 +16606,7 @@
               <a:pPr>
                 <a:defRPr/>
               </a:pPr>
-              <a:t>1/4/2022</a:t>
+              <a:t>1/5/2022</a:t>
             </a:fld>
             <a:endParaRPr lang="en-US"/>
           </a:p>
@@ -16725,7 +16796,7 @@
               <a:pPr>
                 <a:defRPr/>
               </a:pPr>
-              <a:t>1/4/2022</a:t>
+              <a:t>1/5/2022</a:t>
             </a:fld>
             <a:endParaRPr lang="en-US"/>
           </a:p>
@@ -16925,7 +16996,7 @@
               <a:pPr>
                 <a:defRPr/>
               </a:pPr>
-              <a:t>1/4/2022</a:t>
+              <a:t>1/5/2022</a:t>
             </a:fld>
             <a:endParaRPr lang="en-US"/>
           </a:p>
@@ -17125,7 +17196,7 @@
               <a:pPr>
                 <a:defRPr/>
               </a:pPr>
-              <a:t>1/4/2022</a:t>
+              <a:t>1/5/2022</a:t>
             </a:fld>
             <a:endParaRPr lang="en-US"/>
           </a:p>
@@ -17392,7 +17463,7 @@
               <a:pPr>
                 <a:defRPr/>
               </a:pPr>
-              <a:t>1/4/2022</a:t>
+              <a:t>1/5/2022</a:t>
             </a:fld>
             <a:endParaRPr lang="en-US"/>
           </a:p>
@@ -17643,7 +17714,7 @@
               <a:pPr>
                 <a:defRPr/>
               </a:pPr>
-              <a:t>1/4/2022</a:t>
+              <a:t>1/5/2022</a:t>
             </a:fld>
             <a:endParaRPr lang="en-US"/>
           </a:p>
@@ -18029,7 +18100,7 @@
               <a:pPr>
                 <a:defRPr/>
               </a:pPr>
-              <a:t>1/4/2022</a:t>
+              <a:t>1/5/2022</a:t>
             </a:fld>
             <a:endParaRPr lang="en-US"/>
           </a:p>
@@ -18158,7 +18229,7 @@
               <a:pPr>
                 <a:defRPr/>
               </a:pPr>
-              <a:t>1/4/2022</a:t>
+              <a:t>1/5/2022</a:t>
             </a:fld>
             <a:endParaRPr lang="en-US"/>
           </a:p>
@@ -18287,7 +18358,7 @@
               <a:pPr>
                 <a:defRPr/>
               </a:pPr>
-              <a:t>1/4/2022</a:t>
+              <a:t>1/5/2022</a:t>
             </a:fld>
             <a:endParaRPr lang="en-US"/>
           </a:p>
@@ -18584,7 +18655,7 @@
               <a:pPr>
                 <a:defRPr/>
               </a:pPr>
-              <a:t>1/4/2022</a:t>
+              <a:t>1/5/2022</a:t>
             </a:fld>
             <a:endParaRPr lang="en-US"/>
           </a:p>
@@ -18864,7 +18935,7 @@
               <a:pPr>
                 <a:defRPr/>
               </a:pPr>
-              <a:t>1/4/2022</a:t>
+              <a:t>1/5/2022</a:t>
             </a:fld>
             <a:endParaRPr lang="en-US"/>
           </a:p>
@@ -19158,7 +19229,7 @@
               <a:pPr>
                 <a:defRPr/>
               </a:pPr>
-              <a:t>1/4/2022</a:t>
+              <a:t>1/5/2022</a:t>
             </a:fld>
             <a:endParaRPr lang="en-US"/>
           </a:p>
@@ -20521,10 +20592,10 @@
       </p:sp>
       <p:pic>
         <p:nvPicPr>
-          <p:cNvPr id="5" name="Content Placeholder 4" descr="Diagram&#10;&#10;Description automatically generated with medium confidence">
+          <p:cNvPr id="6" name="Content Placeholder 5">
             <a:extLst>
               <a:ext uri="{FF2B5EF4-FFF2-40B4-BE49-F238E27FC236}">
-                <a16:creationId xmlns:a16="http://schemas.microsoft.com/office/drawing/2014/main" id="{B3BD9F75-DCB6-44C4-836E-410977C3A0EE}"/>
+                <a16:creationId xmlns:a16="http://schemas.microsoft.com/office/drawing/2014/main" id="{8FC940EF-AEC5-46E5-8A78-46D0E47AF1F8}"/>
               </a:ext>
             </a:extLst>
           </p:cNvPr>
@@ -20536,7 +20607,7 @@
           </p:nvPr>
         </p:nvPicPr>
         <p:blipFill>
-          <a:blip r:embed="rId2">
+          <a:blip r:embed="rId2" cstate="print">
             <a:extLst>
               <a:ext uri="{28A0092B-C50C-407E-A947-70E740481C1C}">
                 <a14:useLocalDpi xmlns:a14="http://schemas.microsoft.com/office/drawing/2010/main" val="0"/>
@@ -20549,9 +20620,12 @@
         </p:blipFill>
         <p:spPr>
           <a:xfrm>
-            <a:off x="190500" y="1801542"/>
-            <a:ext cx="8775700" cy="3991515"/>
+            <a:off x="438813" y="1887524"/>
+            <a:ext cx="8266373" cy="3741490"/>
           </a:xfrm>
+          <a:prstGeom prst="rect">
+            <a:avLst/>
+          </a:prstGeom>
         </p:spPr>
       </p:pic>
     </p:spTree>
@@ -20585,7 +20659,7 @@
                             </p:stCondLst>
                             <p:childTnLst>
                               <p:par>
-                                <p:cTn id="5" presetID="21" presetClass="entr" presetSubtype="1" fill="hold" nodeType="clickEffect">
+                                <p:cTn id="5" presetID="16" presetClass="entr" presetSubtype="21" fill="hold" nodeType="clickEffect">
                                   <p:stCondLst>
                                     <p:cond delay="0"/>
                                   </p:stCondLst>
@@ -20598,7 +20672,7 @@
                                           </p:stCondLst>
                                         </p:cTn>
                                         <p:tgtEl>
-                                          <p:spTgt spid="5"/>
+                                          <p:spTgt spid="6"/>
                                         </p:tgtEl>
                                         <p:attrNameLst>
                                           <p:attrName>style.visibility</p:attrName>
@@ -20608,11 +20682,11 @@
                                         <p:strVal val="visible"/>
                                       </p:to>
                                     </p:set>
-                                    <p:animEffect transition="in" filter="wheel(1)">
+                                    <p:animEffect transition="in" filter="barn(inVertical)">
                                       <p:cBhvr>
-                                        <p:cTn id="7" dur="2000"/>
+                                        <p:cTn id="7" dur="500"/>
                                         <p:tgtEl>
-                                          <p:spTgt spid="5"/>
+                                          <p:spTgt spid="6"/>
                                         </p:tgtEl>
                                       </p:cBhvr>
                                     </p:animEffect>
@@ -20697,10 +20771,10 @@
       </p:sp>
       <p:pic>
         <p:nvPicPr>
-          <p:cNvPr id="5" name="Content Placeholder 4" descr="Diagram&#10;&#10;Description automatically generated with medium confidence">
+          <p:cNvPr id="6" name="Content Placeholder 5">
             <a:extLst>
               <a:ext uri="{FF2B5EF4-FFF2-40B4-BE49-F238E27FC236}">
-                <a16:creationId xmlns:a16="http://schemas.microsoft.com/office/drawing/2014/main" id="{549A449B-9BB6-455B-90BC-302576866E7E}"/>
+                <a16:creationId xmlns:a16="http://schemas.microsoft.com/office/drawing/2014/main" id="{0DEBBBA1-55A6-449F-83D2-FFBD4CDA2E2A}"/>
               </a:ext>
             </a:extLst>
           </p:cNvPr>
@@ -20712,7 +20786,7 @@
           </p:nvPr>
         </p:nvPicPr>
         <p:blipFill>
-          <a:blip r:embed="rId2">
+          <a:blip r:embed="rId2" cstate="print">
             <a:extLst>
               <a:ext uri="{28A0092B-C50C-407E-A947-70E740481C1C}">
                 <a14:useLocalDpi xmlns:a14="http://schemas.microsoft.com/office/drawing/2010/main" val="0"/>
@@ -20725,9 +20799,12 @@
         </p:blipFill>
         <p:spPr>
           <a:xfrm>
-            <a:off x="190500" y="1750879"/>
-            <a:ext cx="8775700" cy="4092842"/>
+            <a:off x="489986" y="2172749"/>
+            <a:ext cx="8033844" cy="3741490"/>
           </a:xfrm>
+          <a:prstGeom prst="rect">
+            <a:avLst/>
+          </a:prstGeom>
         </p:spPr>
       </p:pic>
     </p:spTree>
@@ -20761,7 +20838,7 @@
                             </p:stCondLst>
                             <p:childTnLst>
                               <p:par>
-                                <p:cTn id="5" presetID="14" presetClass="entr" presetSubtype="10" fill="hold" nodeType="clickEffect">
+                                <p:cTn id="5" presetID="16" presetClass="entr" presetSubtype="21" fill="hold" nodeType="clickEffect">
                                   <p:stCondLst>
                                     <p:cond delay="0"/>
                                   </p:stCondLst>
@@ -20774,7 +20851,7 @@
                                           </p:stCondLst>
                                         </p:cTn>
                                         <p:tgtEl>
-                                          <p:spTgt spid="5"/>
+                                          <p:spTgt spid="6"/>
                                         </p:tgtEl>
                                         <p:attrNameLst>
                                           <p:attrName>style.visibility</p:attrName>
@@ -20784,11 +20861,11 @@
                                         <p:strVal val="visible"/>
                                       </p:to>
                                     </p:set>
-                                    <p:animEffect transition="in" filter="randombar(horizontal)">
+                                    <p:animEffect transition="in" filter="barn(inVertical)">
                                       <p:cBhvr>
                                         <p:cTn id="7" dur="500"/>
                                         <p:tgtEl>
-                                          <p:spTgt spid="5"/>
+                                          <p:spTgt spid="6"/>
                                         </p:tgtEl>
                                       </p:cBhvr>
                                     </p:animEffect>
@@ -24200,7 +24277,7 @@
           <p:nvPr>
             <p:extLst>
               <p:ext uri="{D42A27DB-BD31-4B8C-83A1-F6EECF244321}">
-                <p14:modId xmlns:p14="http://schemas.microsoft.com/office/powerpoint/2010/main" val="2552155336"/>
+                <p14:modId xmlns:p14="http://schemas.microsoft.com/office/powerpoint/2010/main" val="3322234041"/>
               </p:ext>
             </p:extLst>
           </p:nvPr>
@@ -28763,39 +28840,59 @@
           </a:p>
         </p:txBody>
       </p:sp>
+      <p:sp>
+        <p:nvSpPr>
+          <p:cNvPr id="3" name="Content Placeholder 2">
+            <a:extLst>
+              <a:ext uri="{FF2B5EF4-FFF2-40B4-BE49-F238E27FC236}">
+                <a16:creationId xmlns:a16="http://schemas.microsoft.com/office/drawing/2014/main" id="{2E07DFCD-7DBB-4CCD-B94D-EE6D9E2A70FF}"/>
+              </a:ext>
+            </a:extLst>
+          </p:cNvPr>
+          <p:cNvSpPr>
+            <a:spLocks noGrp="1"/>
+          </p:cNvSpPr>
+          <p:nvPr>
+            <p:ph idx="1"/>
+          </p:nvPr>
+        </p:nvSpPr>
+        <p:spPr/>
+        <p:txBody>
+          <a:bodyPr/>
+          <a:lstStyle/>
+          <a:p>
+            <a:endParaRPr lang="en-US" dirty="0"/>
+          </a:p>
+        </p:txBody>
+      </p:sp>
       <p:pic>
         <p:nvPicPr>
-          <p:cNvPr id="5" name="Content Placeholder 4" descr="Diagram&#10;&#10;Description automatically generated">
+          <p:cNvPr id="6" name="Picture 5">
             <a:extLst>
               <a:ext uri="{FF2B5EF4-FFF2-40B4-BE49-F238E27FC236}">
-                <a16:creationId xmlns:a16="http://schemas.microsoft.com/office/drawing/2014/main" id="{76A12E6F-1E1D-4102-A84C-EEC58CAF70A9}"/>
+                <a16:creationId xmlns:a16="http://schemas.microsoft.com/office/drawing/2014/main" id="{BD846693-47DC-43A9-A2A3-AB7A307A3933}"/>
               </a:ext>
             </a:extLst>
           </p:cNvPr>
           <p:cNvPicPr>
-            <a:picLocks noGrp="1" noChangeAspect="1"/>
+            <a:picLocks noChangeAspect="1"/>
           </p:cNvPicPr>
-          <p:nvPr>
-            <p:ph idx="1"/>
-          </p:nvPr>
+          <p:nvPr/>
         </p:nvPicPr>
         <p:blipFill>
-          <a:blip r:embed="rId2">
-            <a:extLst>
-              <a:ext uri="{28A0092B-C50C-407E-A947-70E740481C1C}">
-                <a14:useLocalDpi xmlns:a14="http://schemas.microsoft.com/office/drawing/2010/main" val="0"/>
-              </a:ext>
-            </a:extLst>
-          </a:blip>
+          <a:blip r:embed="rId2"/>
           <a:stretch>
             <a:fillRect/>
           </a:stretch>
         </p:blipFill>
         <p:spPr>
           <a:xfrm>
-            <a:off x="1066702" y="1346200"/>
-            <a:ext cx="7023295" cy="4902200"/>
+            <a:off x="1149292" y="1378233"/>
+            <a:ext cx="7080307" cy="4929992"/>
           </a:xfrm>
+          <a:prstGeom prst="rect">
+            <a:avLst/>
+          </a:prstGeom>
         </p:spPr>
       </p:pic>
     </p:spTree>
@@ -28842,7 +28939,7 @@
                                           </p:stCondLst>
                                         </p:cTn>
                                         <p:tgtEl>
-                                          <p:spTgt spid="5"/>
+                                          <p:spTgt spid="6"/>
                                         </p:tgtEl>
                                         <p:attrNameLst>
                                           <p:attrName>style.visibility</p:attrName>
@@ -28856,7 +28953,7 @@
                                       <p:cBhvr>
                                         <p:cTn id="7" dur="500"/>
                                         <p:tgtEl>
-                                          <p:spTgt spid="5"/>
+                                          <p:spTgt spid="6"/>
                                         </p:tgtEl>
                                       </p:cBhvr>
                                     </p:animEffect>

--- a/Final Submission/Design/Slides-Eco Bike Rental - Group 18.pptx
+++ b/Final Submission/Design/Slides-Eco Bike Rental - Group 18.pptx
@@ -16113,7 +16113,7 @@
               <a:pPr>
                 <a:defRPr/>
               </a:pPr>
-              <a:t>1/5/2022</a:t>
+              <a:t>05-Jan-22</a:t>
             </a:fld>
             <a:endParaRPr lang="en-US"/>
           </a:p>
@@ -16606,7 +16606,7 @@
               <a:pPr>
                 <a:defRPr/>
               </a:pPr>
-              <a:t>1/5/2022</a:t>
+              <a:t>05-Jan-22</a:t>
             </a:fld>
             <a:endParaRPr lang="en-US"/>
           </a:p>
@@ -16796,7 +16796,7 @@
               <a:pPr>
                 <a:defRPr/>
               </a:pPr>
-              <a:t>1/5/2022</a:t>
+              <a:t>05-Jan-22</a:t>
             </a:fld>
             <a:endParaRPr lang="en-US"/>
           </a:p>
@@ -16996,7 +16996,7 @@
               <a:pPr>
                 <a:defRPr/>
               </a:pPr>
-              <a:t>1/5/2022</a:t>
+              <a:t>05-Jan-22</a:t>
             </a:fld>
             <a:endParaRPr lang="en-US"/>
           </a:p>
@@ -17196,7 +17196,7 @@
               <a:pPr>
                 <a:defRPr/>
               </a:pPr>
-              <a:t>1/5/2022</a:t>
+              <a:t>05-Jan-22</a:t>
             </a:fld>
             <a:endParaRPr lang="en-US"/>
           </a:p>
@@ -17463,7 +17463,7 @@
               <a:pPr>
                 <a:defRPr/>
               </a:pPr>
-              <a:t>1/5/2022</a:t>
+              <a:t>05-Jan-22</a:t>
             </a:fld>
             <a:endParaRPr lang="en-US"/>
           </a:p>
@@ -17714,7 +17714,7 @@
               <a:pPr>
                 <a:defRPr/>
               </a:pPr>
-              <a:t>1/5/2022</a:t>
+              <a:t>05-Jan-22</a:t>
             </a:fld>
             <a:endParaRPr lang="en-US"/>
           </a:p>
@@ -18100,7 +18100,7 @@
               <a:pPr>
                 <a:defRPr/>
               </a:pPr>
-              <a:t>1/5/2022</a:t>
+              <a:t>05-Jan-22</a:t>
             </a:fld>
             <a:endParaRPr lang="en-US"/>
           </a:p>
@@ -18229,7 +18229,7 @@
               <a:pPr>
                 <a:defRPr/>
               </a:pPr>
-              <a:t>1/5/2022</a:t>
+              <a:t>05-Jan-22</a:t>
             </a:fld>
             <a:endParaRPr lang="en-US"/>
           </a:p>
@@ -18358,7 +18358,7 @@
               <a:pPr>
                 <a:defRPr/>
               </a:pPr>
-              <a:t>1/5/2022</a:t>
+              <a:t>05-Jan-22</a:t>
             </a:fld>
             <a:endParaRPr lang="en-US"/>
           </a:p>
@@ -18655,7 +18655,7 @@
               <a:pPr>
                 <a:defRPr/>
               </a:pPr>
-              <a:t>1/5/2022</a:t>
+              <a:t>05-Jan-22</a:t>
             </a:fld>
             <a:endParaRPr lang="en-US"/>
           </a:p>
@@ -18935,7 +18935,7 @@
               <a:pPr>
                 <a:defRPr/>
               </a:pPr>
-              <a:t>1/5/2022</a:t>
+              <a:t>05-Jan-22</a:t>
             </a:fld>
             <a:endParaRPr lang="en-US"/>
           </a:p>
@@ -19229,7 +19229,7 @@
               <a:pPr>
                 <a:defRPr/>
               </a:pPr>
-              <a:t>1/5/2022</a:t>
+              <a:t>05-Jan-22</a:t>
             </a:fld>
             <a:endParaRPr lang="en-US"/>
           </a:p>
@@ -20592,10 +20592,10 @@
       </p:sp>
       <p:pic>
         <p:nvPicPr>
-          <p:cNvPr id="6" name="Content Placeholder 5">
+          <p:cNvPr id="5" name="Content Placeholder 4">
             <a:extLst>
               <a:ext uri="{FF2B5EF4-FFF2-40B4-BE49-F238E27FC236}">
-                <a16:creationId xmlns:a16="http://schemas.microsoft.com/office/drawing/2014/main" id="{8FC940EF-AEC5-46E5-8A78-46D0E47AF1F8}"/>
+                <a16:creationId xmlns:a16="http://schemas.microsoft.com/office/drawing/2014/main" id="{261F15E0-BF1A-4436-BEF8-DECCFB965358}"/>
               </a:ext>
             </a:extLst>
           </p:cNvPr>
@@ -20620,12 +20620,9 @@
         </p:blipFill>
         <p:spPr>
           <a:xfrm>
-            <a:off x="438813" y="1887524"/>
-            <a:ext cx="8266373" cy="3741490"/>
+            <a:off x="190500" y="1810418"/>
+            <a:ext cx="8775700" cy="3973764"/>
           </a:xfrm>
-          <a:prstGeom prst="rect">
-            <a:avLst/>
-          </a:prstGeom>
         </p:spPr>
       </p:pic>
     </p:spTree>
@@ -20638,89 +20635,6 @@
   <p:clrMapOvr>
     <a:masterClrMapping/>
   </p:clrMapOvr>
-  <p:timing>
-    <p:tnLst>
-      <p:par>
-        <p:cTn id="1" dur="indefinite" restart="never" nodeType="tmRoot">
-          <p:childTnLst>
-            <p:seq concurrent="1" nextAc="seek">
-              <p:cTn id="2" dur="indefinite" nodeType="mainSeq">
-                <p:childTnLst>
-                  <p:par>
-                    <p:cTn id="3" fill="hold">
-                      <p:stCondLst>
-                        <p:cond delay="indefinite"/>
-                      </p:stCondLst>
-                      <p:childTnLst>
-                        <p:par>
-                          <p:cTn id="4" fill="hold">
-                            <p:stCondLst>
-                              <p:cond delay="0"/>
-                            </p:stCondLst>
-                            <p:childTnLst>
-                              <p:par>
-                                <p:cTn id="5" presetID="16" presetClass="entr" presetSubtype="21" fill="hold" nodeType="clickEffect">
-                                  <p:stCondLst>
-                                    <p:cond delay="0"/>
-                                  </p:stCondLst>
-                                  <p:childTnLst>
-                                    <p:set>
-                                      <p:cBhvr>
-                                        <p:cTn id="6" dur="1" fill="hold">
-                                          <p:stCondLst>
-                                            <p:cond delay="0"/>
-                                          </p:stCondLst>
-                                        </p:cTn>
-                                        <p:tgtEl>
-                                          <p:spTgt spid="6"/>
-                                        </p:tgtEl>
-                                        <p:attrNameLst>
-                                          <p:attrName>style.visibility</p:attrName>
-                                        </p:attrNameLst>
-                                      </p:cBhvr>
-                                      <p:to>
-                                        <p:strVal val="visible"/>
-                                      </p:to>
-                                    </p:set>
-                                    <p:animEffect transition="in" filter="barn(inVertical)">
-                                      <p:cBhvr>
-                                        <p:cTn id="7" dur="500"/>
-                                        <p:tgtEl>
-                                          <p:spTgt spid="6"/>
-                                        </p:tgtEl>
-                                      </p:cBhvr>
-                                    </p:animEffect>
-                                  </p:childTnLst>
-                                </p:cTn>
-                              </p:par>
-                            </p:childTnLst>
-                          </p:cTn>
-                        </p:par>
-                      </p:childTnLst>
-                    </p:cTn>
-                  </p:par>
-                </p:childTnLst>
-              </p:cTn>
-              <p:prevCondLst>
-                <p:cond evt="onPrev" delay="0">
-                  <p:tgtEl>
-                    <p:sldTgt/>
-                  </p:tgtEl>
-                </p:cond>
-              </p:prevCondLst>
-              <p:nextCondLst>
-                <p:cond evt="onNext" delay="0">
-                  <p:tgtEl>
-                    <p:sldTgt/>
-                  </p:tgtEl>
-                </p:cond>
-              </p:nextCondLst>
-            </p:seq>
-          </p:childTnLst>
-        </p:cTn>
-      </p:par>
-    </p:tnLst>
-  </p:timing>
 </p:sld>
 </file>
 
@@ -20771,10 +20685,10 @@
       </p:sp>
       <p:pic>
         <p:nvPicPr>
-          <p:cNvPr id="6" name="Content Placeholder 5">
+          <p:cNvPr id="5" name="Content Placeholder 4">
             <a:extLst>
               <a:ext uri="{FF2B5EF4-FFF2-40B4-BE49-F238E27FC236}">
-                <a16:creationId xmlns:a16="http://schemas.microsoft.com/office/drawing/2014/main" id="{0DEBBBA1-55A6-449F-83D2-FFBD4CDA2E2A}"/>
+                <a16:creationId xmlns:a16="http://schemas.microsoft.com/office/drawing/2014/main" id="{E4245BDF-D21D-4F5A-894A-3437BBF8E1BC}"/>
               </a:ext>
             </a:extLst>
           </p:cNvPr>
@@ -20799,12 +20713,9 @@
         </p:blipFill>
         <p:spPr>
           <a:xfrm>
-            <a:off x="489986" y="2172749"/>
-            <a:ext cx="8033844" cy="3741490"/>
+            <a:off x="190499" y="1353671"/>
+            <a:ext cx="8846007" cy="5244353"/>
           </a:xfrm>
-          <a:prstGeom prst="rect">
-            <a:avLst/>
-          </a:prstGeom>
         </p:spPr>
       </p:pic>
     </p:spTree>
@@ -20817,89 +20728,6 @@
   <p:clrMapOvr>
     <a:masterClrMapping/>
   </p:clrMapOvr>
-  <p:timing>
-    <p:tnLst>
-      <p:par>
-        <p:cTn id="1" dur="indefinite" restart="never" nodeType="tmRoot">
-          <p:childTnLst>
-            <p:seq concurrent="1" nextAc="seek">
-              <p:cTn id="2" dur="indefinite" nodeType="mainSeq">
-                <p:childTnLst>
-                  <p:par>
-                    <p:cTn id="3" fill="hold">
-                      <p:stCondLst>
-                        <p:cond delay="indefinite"/>
-                      </p:stCondLst>
-                      <p:childTnLst>
-                        <p:par>
-                          <p:cTn id="4" fill="hold">
-                            <p:stCondLst>
-                              <p:cond delay="0"/>
-                            </p:stCondLst>
-                            <p:childTnLst>
-                              <p:par>
-                                <p:cTn id="5" presetID="16" presetClass="entr" presetSubtype="21" fill="hold" nodeType="clickEffect">
-                                  <p:stCondLst>
-                                    <p:cond delay="0"/>
-                                  </p:stCondLst>
-                                  <p:childTnLst>
-                                    <p:set>
-                                      <p:cBhvr>
-                                        <p:cTn id="6" dur="1" fill="hold">
-                                          <p:stCondLst>
-                                            <p:cond delay="0"/>
-                                          </p:stCondLst>
-                                        </p:cTn>
-                                        <p:tgtEl>
-                                          <p:spTgt spid="6"/>
-                                        </p:tgtEl>
-                                        <p:attrNameLst>
-                                          <p:attrName>style.visibility</p:attrName>
-                                        </p:attrNameLst>
-                                      </p:cBhvr>
-                                      <p:to>
-                                        <p:strVal val="visible"/>
-                                      </p:to>
-                                    </p:set>
-                                    <p:animEffect transition="in" filter="barn(inVertical)">
-                                      <p:cBhvr>
-                                        <p:cTn id="7" dur="500"/>
-                                        <p:tgtEl>
-                                          <p:spTgt spid="6"/>
-                                        </p:tgtEl>
-                                      </p:cBhvr>
-                                    </p:animEffect>
-                                  </p:childTnLst>
-                                </p:cTn>
-                              </p:par>
-                            </p:childTnLst>
-                          </p:cTn>
-                        </p:par>
-                      </p:childTnLst>
-                    </p:cTn>
-                  </p:par>
-                </p:childTnLst>
-              </p:cTn>
-              <p:prevCondLst>
-                <p:cond evt="onPrev" delay="0">
-                  <p:tgtEl>
-                    <p:sldTgt/>
-                  </p:tgtEl>
-                </p:cond>
-              </p:prevCondLst>
-              <p:nextCondLst>
-                <p:cond evt="onNext" delay="0">
-                  <p:tgtEl>
-                    <p:sldTgt/>
-                  </p:tgtEl>
-                </p:cond>
-              </p:nextCondLst>
-            </p:seq>
-          </p:childTnLst>
-        </p:cTn>
-      </p:par>
-    </p:tnLst>
-  </p:timing>
 </p:sld>
 </file>
 
@@ -20950,10 +20778,10 @@
       </p:sp>
       <p:pic>
         <p:nvPicPr>
-          <p:cNvPr id="4" name="Content Placeholder 3">
+          <p:cNvPr id="6" name="Content Placeholder 5">
             <a:extLst>
               <a:ext uri="{FF2B5EF4-FFF2-40B4-BE49-F238E27FC236}">
-                <a16:creationId xmlns:a16="http://schemas.microsoft.com/office/drawing/2014/main" id="{FABA55DE-2ECD-4591-BCD9-D41D6CD78ABC}"/>
+                <a16:creationId xmlns:a16="http://schemas.microsoft.com/office/drawing/2014/main" id="{4165AECB-3A53-411B-A1F2-713F76EDDDE7}"/>
               </a:ext>
             </a:extLst>
           </p:cNvPr>
@@ -20978,12 +20806,9 @@
         </p:blipFill>
         <p:spPr>
           <a:xfrm>
-            <a:off x="1048624" y="1425643"/>
-            <a:ext cx="7633982" cy="4782806"/>
+            <a:off x="664840" y="1346200"/>
+            <a:ext cx="7827019" cy="4902200"/>
           </a:xfrm>
-          <a:prstGeom prst="rect">
-            <a:avLst/>
-          </a:prstGeom>
         </p:spPr>
       </p:pic>
     </p:spTree>
@@ -20996,89 +20821,6 @@
   <p:clrMapOvr>
     <a:masterClrMapping/>
   </p:clrMapOvr>
-  <p:timing>
-    <p:tnLst>
-      <p:par>
-        <p:cTn id="1" dur="indefinite" restart="never" nodeType="tmRoot">
-          <p:childTnLst>
-            <p:seq concurrent="1" nextAc="seek">
-              <p:cTn id="2" dur="indefinite" nodeType="mainSeq">
-                <p:childTnLst>
-                  <p:par>
-                    <p:cTn id="3" fill="hold">
-                      <p:stCondLst>
-                        <p:cond delay="indefinite"/>
-                      </p:stCondLst>
-                      <p:childTnLst>
-                        <p:par>
-                          <p:cTn id="4" fill="hold">
-                            <p:stCondLst>
-                              <p:cond delay="0"/>
-                            </p:stCondLst>
-                            <p:childTnLst>
-                              <p:par>
-                                <p:cTn id="5" presetID="6" presetClass="entr" presetSubtype="16" fill="hold" nodeType="clickEffect">
-                                  <p:stCondLst>
-                                    <p:cond delay="0"/>
-                                  </p:stCondLst>
-                                  <p:childTnLst>
-                                    <p:set>
-                                      <p:cBhvr>
-                                        <p:cTn id="6" dur="1" fill="hold">
-                                          <p:stCondLst>
-                                            <p:cond delay="0"/>
-                                          </p:stCondLst>
-                                        </p:cTn>
-                                        <p:tgtEl>
-                                          <p:spTgt spid="4"/>
-                                        </p:tgtEl>
-                                        <p:attrNameLst>
-                                          <p:attrName>style.visibility</p:attrName>
-                                        </p:attrNameLst>
-                                      </p:cBhvr>
-                                      <p:to>
-                                        <p:strVal val="visible"/>
-                                      </p:to>
-                                    </p:set>
-                                    <p:animEffect transition="in" filter="circle(in)">
-                                      <p:cBhvr>
-                                        <p:cTn id="7" dur="2000"/>
-                                        <p:tgtEl>
-                                          <p:spTgt spid="4"/>
-                                        </p:tgtEl>
-                                      </p:cBhvr>
-                                    </p:animEffect>
-                                  </p:childTnLst>
-                                </p:cTn>
-                              </p:par>
-                            </p:childTnLst>
-                          </p:cTn>
-                        </p:par>
-                      </p:childTnLst>
-                    </p:cTn>
-                  </p:par>
-                </p:childTnLst>
-              </p:cTn>
-              <p:prevCondLst>
-                <p:cond evt="onPrev" delay="0">
-                  <p:tgtEl>
-                    <p:sldTgt/>
-                  </p:tgtEl>
-                </p:cond>
-              </p:prevCondLst>
-              <p:nextCondLst>
-                <p:cond evt="onNext" delay="0">
-                  <p:tgtEl>
-                    <p:sldTgt/>
-                  </p:tgtEl>
-                </p:cond>
-              </p:nextCondLst>
-            </p:seq>
-          </p:childTnLst>
-        </p:cTn>
-      </p:par>
-    </p:tnLst>
-  </p:timing>
 </p:sld>
 </file>
 
@@ -25594,23 +25336,20 @@
             </a:r>
             <a:r>
               <a:rPr lang="en-US" sz="1800" dirty="0">
-                <a:effectLst/>
-                <a:latin typeface="Times New Roman" panose="02020603050405020304" pitchFamily="18" charset="0"/>
-                <a:ea typeface="Times New Roman" panose="02020603050405020304" pitchFamily="18" charset="0"/>
-              </a:rPr>
-              <a:t>. </a:t>
+                <a:latin typeface="Times New Roman" panose="02020603050405020304" pitchFamily="18" charset="0"/>
+                <a:ea typeface="Times New Roman" panose="02020603050405020304" pitchFamily="18" charset="0"/>
+              </a:rPr>
+              <a:t>: </a:t>
             </a:r>
             <a:r>
               <a:rPr lang="en-US" sz="1800" dirty="0" err="1">
-                <a:effectLst/>
-                <a:latin typeface="Times New Roman" panose="02020603050405020304" pitchFamily="18" charset="0"/>
-                <a:ea typeface="Times New Roman" panose="02020603050405020304" pitchFamily="18" charset="0"/>
-              </a:rPr>
-              <a:t>Tất</a:t>
+                <a:latin typeface="Times New Roman" panose="02020603050405020304" pitchFamily="18" charset="0"/>
+                <a:ea typeface="Times New Roman" panose="02020603050405020304" pitchFamily="18" charset="0"/>
+              </a:rPr>
+              <a:t>lớp</a:t>
             </a:r>
             <a:r>
               <a:rPr lang="en-US" sz="1800" dirty="0">
-                <a:effectLst/>
                 <a:latin typeface="Times New Roman" panose="02020603050405020304" pitchFamily="18" charset="0"/>
                 <a:ea typeface="Times New Roman" panose="02020603050405020304" pitchFamily="18" charset="0"/>
               </a:rPr>
@@ -25618,15 +25357,13 @@
             </a:r>
             <a:r>
               <a:rPr lang="en-US" sz="1800" dirty="0" err="1">
-                <a:effectLst/>
-                <a:latin typeface="Times New Roman" panose="02020603050405020304" pitchFamily="18" charset="0"/>
-                <a:ea typeface="Times New Roman" panose="02020603050405020304" pitchFamily="18" charset="0"/>
-              </a:rPr>
-              <a:t>cả</a:t>
+                <a:latin typeface="Times New Roman" panose="02020603050405020304" pitchFamily="18" charset="0"/>
+                <a:ea typeface="Times New Roman" panose="02020603050405020304" pitchFamily="18" charset="0"/>
+              </a:rPr>
+              <a:t>PaymentTransaction</a:t>
             </a:r>
             <a:r>
               <a:rPr lang="en-US" sz="1800" dirty="0">
-                <a:effectLst/>
                 <a:latin typeface="Times New Roman" panose="02020603050405020304" pitchFamily="18" charset="0"/>
                 <a:ea typeface="Times New Roman" panose="02020603050405020304" pitchFamily="18" charset="0"/>
               </a:rPr>
@@ -25634,15 +25371,13 @@
             </a:r>
             <a:r>
               <a:rPr lang="en-US" sz="1800" dirty="0" err="1">
-                <a:effectLst/>
-                <a:latin typeface="Times New Roman" panose="02020603050405020304" pitchFamily="18" charset="0"/>
-                <a:ea typeface="Times New Roman" panose="02020603050405020304" pitchFamily="18" charset="0"/>
-              </a:rPr>
-              <a:t>các</a:t>
+                <a:latin typeface="Times New Roman" panose="02020603050405020304" pitchFamily="18" charset="0"/>
+                <a:ea typeface="Times New Roman" panose="02020603050405020304" pitchFamily="18" charset="0"/>
+              </a:rPr>
+              <a:t>không</a:t>
             </a:r>
             <a:r>
               <a:rPr lang="en-US" sz="1800" dirty="0">
-                <a:effectLst/>
                 <a:latin typeface="Times New Roman" panose="02020603050405020304" pitchFamily="18" charset="0"/>
                 <a:ea typeface="Times New Roman" panose="02020603050405020304" pitchFamily="18" charset="0"/>
               </a:rPr>
@@ -25650,15 +25385,13 @@
             </a:r>
             <a:r>
               <a:rPr lang="en-US" sz="1800" dirty="0" err="1">
-                <a:effectLst/>
-                <a:latin typeface="Times New Roman" panose="02020603050405020304" pitchFamily="18" charset="0"/>
-                <a:ea typeface="Times New Roman" panose="02020603050405020304" pitchFamily="18" charset="0"/>
-              </a:rPr>
-              <a:t>hệ</a:t>
+                <a:latin typeface="Times New Roman" panose="02020603050405020304" pitchFamily="18" charset="0"/>
+                <a:ea typeface="Times New Roman" panose="02020603050405020304" pitchFamily="18" charset="0"/>
+              </a:rPr>
+              <a:t>phụ</a:t>
             </a:r>
             <a:r>
               <a:rPr lang="en-US" sz="1800" dirty="0">
-                <a:effectLst/>
                 <a:latin typeface="Times New Roman" panose="02020603050405020304" pitchFamily="18" charset="0"/>
                 <a:ea typeface="Times New Roman" panose="02020603050405020304" pitchFamily="18" charset="0"/>
               </a:rPr>
@@ -25666,31 +25399,27 @@
             </a:r>
             <a:r>
               <a:rPr lang="en-US" sz="1800" dirty="0" err="1">
-                <a:effectLst/>
-                <a:latin typeface="Times New Roman" panose="02020603050405020304" pitchFamily="18" charset="0"/>
-                <a:ea typeface="Times New Roman" panose="02020603050405020304" pitchFamily="18" charset="0"/>
-              </a:rPr>
-              <a:t>thống</a:t>
+                <a:latin typeface="Times New Roman" panose="02020603050405020304" pitchFamily="18" charset="0"/>
+                <a:ea typeface="Times New Roman" panose="02020603050405020304" pitchFamily="18" charset="0"/>
+              </a:rPr>
+              <a:t>thuộc</a:t>
             </a:r>
             <a:r>
               <a:rPr lang="en-US" sz="1800" dirty="0">
-                <a:effectLst/>
-                <a:latin typeface="Times New Roman" panose="02020603050405020304" pitchFamily="18" charset="0"/>
-                <a:ea typeface="Times New Roman" panose="02020603050405020304" pitchFamily="18" charset="0"/>
-              </a:rPr>
-              <a:t> con </a:t>
+                <a:latin typeface="Times New Roman" panose="02020603050405020304" pitchFamily="18" charset="0"/>
+                <a:ea typeface="Times New Roman" panose="02020603050405020304" pitchFamily="18" charset="0"/>
+              </a:rPr>
+              <a:t> </a:t>
             </a:r>
             <a:r>
               <a:rPr lang="en-US" sz="1800" dirty="0" err="1">
-                <a:effectLst/>
-                <a:latin typeface="Times New Roman" panose="02020603050405020304" pitchFamily="18" charset="0"/>
-                <a:ea typeface="Times New Roman" panose="02020603050405020304" pitchFamily="18" charset="0"/>
-              </a:rPr>
-              <a:t>đều</a:t>
+                <a:latin typeface="Times New Roman" panose="02020603050405020304" pitchFamily="18" charset="0"/>
+                <a:ea typeface="Times New Roman" panose="02020603050405020304" pitchFamily="18" charset="0"/>
+              </a:rPr>
+              <a:t>vào</a:t>
             </a:r>
             <a:r>
               <a:rPr lang="en-US" sz="1800" dirty="0">
-                <a:effectLst/>
                 <a:latin typeface="Times New Roman" panose="02020603050405020304" pitchFamily="18" charset="0"/>
                 <a:ea typeface="Times New Roman" panose="02020603050405020304" pitchFamily="18" charset="0"/>
               </a:rPr>
@@ -25698,15 +25427,13 @@
             </a:r>
             <a:r>
               <a:rPr lang="en-US" sz="1800" dirty="0" err="1">
-                <a:effectLst/>
-                <a:latin typeface="Times New Roman" panose="02020603050405020304" pitchFamily="18" charset="0"/>
-                <a:ea typeface="Times New Roman" panose="02020603050405020304" pitchFamily="18" charset="0"/>
-              </a:rPr>
-              <a:t>có</a:t>
+                <a:latin typeface="Times New Roman" panose="02020603050405020304" pitchFamily="18" charset="0"/>
+                <a:ea typeface="Times New Roman" panose="02020603050405020304" pitchFamily="18" charset="0"/>
+              </a:rPr>
+              <a:t>CreditCard</a:t>
             </a:r>
             <a:r>
               <a:rPr lang="en-US" sz="1800" dirty="0">
-                <a:effectLst/>
                 <a:latin typeface="Times New Roman" panose="02020603050405020304" pitchFamily="18" charset="0"/>
                 <a:ea typeface="Times New Roman" panose="02020603050405020304" pitchFamily="18" charset="0"/>
               </a:rPr>
@@ -25714,15 +25441,13 @@
             </a:r>
             <a:r>
               <a:rPr lang="en-US" sz="1800" dirty="0" err="1">
-                <a:effectLst/>
-                <a:latin typeface="Times New Roman" panose="02020603050405020304" pitchFamily="18" charset="0"/>
-                <a:ea typeface="Times New Roman" panose="02020603050405020304" pitchFamily="18" charset="0"/>
-              </a:rPr>
-              <a:t>giao</a:t>
+                <a:latin typeface="Times New Roman" panose="02020603050405020304" pitchFamily="18" charset="0"/>
+                <a:ea typeface="Times New Roman" panose="02020603050405020304" pitchFamily="18" charset="0"/>
+              </a:rPr>
+              <a:t>mà</a:t>
             </a:r>
             <a:r>
               <a:rPr lang="en-US" sz="1800" dirty="0">
-                <a:effectLst/>
                 <a:latin typeface="Times New Roman" panose="02020603050405020304" pitchFamily="18" charset="0"/>
                 <a:ea typeface="Times New Roman" panose="02020603050405020304" pitchFamily="18" charset="0"/>
               </a:rPr>
@@ -25730,15 +25455,13 @@
             </a:r>
             <a:r>
               <a:rPr lang="en-US" sz="1800" dirty="0" err="1">
-                <a:effectLst/>
-                <a:latin typeface="Times New Roman" panose="02020603050405020304" pitchFamily="18" charset="0"/>
-                <a:ea typeface="Times New Roman" panose="02020603050405020304" pitchFamily="18" charset="0"/>
-              </a:rPr>
-              <a:t>diện</a:t>
+                <a:latin typeface="Times New Roman" panose="02020603050405020304" pitchFamily="18" charset="0"/>
+                <a:ea typeface="Times New Roman" panose="02020603050405020304" pitchFamily="18" charset="0"/>
+              </a:rPr>
+              <a:t>phụ</a:t>
             </a:r>
             <a:r>
               <a:rPr lang="en-US" sz="1800" dirty="0">
-                <a:effectLst/>
                 <a:latin typeface="Times New Roman" panose="02020603050405020304" pitchFamily="18" charset="0"/>
                 <a:ea typeface="Times New Roman" panose="02020603050405020304" pitchFamily="18" charset="0"/>
               </a:rPr>
@@ -25746,15 +25469,13 @@
             </a:r>
             <a:r>
               <a:rPr lang="en-US" sz="1800" dirty="0" err="1">
-                <a:effectLst/>
-                <a:latin typeface="Times New Roman" panose="02020603050405020304" pitchFamily="18" charset="0"/>
-                <a:ea typeface="Times New Roman" panose="02020603050405020304" pitchFamily="18" charset="0"/>
-              </a:rPr>
-              <a:t>riêng</a:t>
+                <a:latin typeface="Times New Roman" panose="02020603050405020304" pitchFamily="18" charset="0"/>
+                <a:ea typeface="Times New Roman" panose="02020603050405020304" pitchFamily="18" charset="0"/>
+              </a:rPr>
+              <a:t>thuộc</a:t>
             </a:r>
             <a:r>
               <a:rPr lang="en-US" sz="1800" dirty="0">
-                <a:effectLst/>
                 <a:latin typeface="Times New Roman" panose="02020603050405020304" pitchFamily="18" charset="0"/>
                 <a:ea typeface="Times New Roman" panose="02020603050405020304" pitchFamily="18" charset="0"/>
               </a:rPr>
@@ -25762,15 +25483,13 @@
             </a:r>
             <a:r>
               <a:rPr lang="en-US" sz="1800" dirty="0" err="1">
-                <a:effectLst/>
-                <a:latin typeface="Times New Roman" panose="02020603050405020304" pitchFamily="18" charset="0"/>
-                <a:ea typeface="Times New Roman" panose="02020603050405020304" pitchFamily="18" charset="0"/>
-              </a:rPr>
-              <a:t>để</a:t>
+                <a:latin typeface="Times New Roman" panose="02020603050405020304" pitchFamily="18" charset="0"/>
+                <a:ea typeface="Times New Roman" panose="02020603050405020304" pitchFamily="18" charset="0"/>
+              </a:rPr>
+              <a:t>vào</a:t>
             </a:r>
             <a:r>
               <a:rPr lang="en-US" sz="1800" dirty="0">
-                <a:effectLst/>
                 <a:latin typeface="Times New Roman" panose="02020603050405020304" pitchFamily="18" charset="0"/>
                 <a:ea typeface="Times New Roman" panose="02020603050405020304" pitchFamily="18" charset="0"/>
               </a:rPr>
@@ -25778,15 +25497,27 @@
             </a:r>
             <a:r>
               <a:rPr lang="en-US" sz="1800" dirty="0" err="1">
-                <a:effectLst/>
-                <a:latin typeface="Times New Roman" panose="02020603050405020304" pitchFamily="18" charset="0"/>
-                <a:ea typeface="Times New Roman" panose="02020603050405020304" pitchFamily="18" charset="0"/>
-              </a:rPr>
-              <a:t>người</a:t>
+                <a:latin typeface="Times New Roman" panose="02020603050405020304" pitchFamily="18" charset="0"/>
+                <a:ea typeface="Times New Roman" panose="02020603050405020304" pitchFamily="18" charset="0"/>
+              </a:rPr>
+              <a:t>lớp</a:t>
             </a:r>
             <a:r>
               <a:rPr lang="en-US" sz="1800" dirty="0">
-                <a:effectLst/>
+                <a:latin typeface="Times New Roman" panose="02020603050405020304" pitchFamily="18" charset="0"/>
+                <a:ea typeface="Times New Roman" panose="02020603050405020304" pitchFamily="18" charset="0"/>
+              </a:rPr>
+              <a:t> cha </a:t>
+            </a:r>
+            <a:r>
+              <a:rPr lang="en-US" sz="1800" dirty="0" err="1">
+                <a:latin typeface="Times New Roman" panose="02020603050405020304" pitchFamily="18" charset="0"/>
+                <a:ea typeface="Times New Roman" panose="02020603050405020304" pitchFamily="18" charset="0"/>
+              </a:rPr>
+              <a:t>là</a:t>
+            </a:r>
+            <a:r>
+              <a:rPr lang="en-US" sz="1800" dirty="0">
                 <a:latin typeface="Times New Roman" panose="02020603050405020304" pitchFamily="18" charset="0"/>
                 <a:ea typeface="Times New Roman" panose="02020603050405020304" pitchFamily="18" charset="0"/>
               </a:rPr>
@@ -25794,54 +25525,11 @@
             </a:r>
             <a:r>
               <a:rPr lang="en-US" sz="1800" dirty="0" err="1">
-                <a:effectLst/>
-                <a:latin typeface="Times New Roman" panose="02020603050405020304" pitchFamily="18" charset="0"/>
-                <a:ea typeface="Times New Roman" panose="02020603050405020304" pitchFamily="18" charset="0"/>
-              </a:rPr>
-              <a:t>khác</a:t>
-            </a:r>
-            <a:r>
-              <a:rPr lang="en-US" sz="1800" dirty="0">
-                <a:effectLst/>
-                <a:latin typeface="Times New Roman" panose="02020603050405020304" pitchFamily="18" charset="0"/>
-                <a:ea typeface="Times New Roman" panose="02020603050405020304" pitchFamily="18" charset="0"/>
-              </a:rPr>
-              <a:t> </a:t>
-            </a:r>
-            <a:r>
-              <a:rPr lang="en-US" sz="1800" dirty="0" err="1">
-                <a:effectLst/>
-                <a:latin typeface="Times New Roman" panose="02020603050405020304" pitchFamily="18" charset="0"/>
-                <a:ea typeface="Times New Roman" panose="02020603050405020304" pitchFamily="18" charset="0"/>
-              </a:rPr>
-              <a:t>sử</a:t>
-            </a:r>
-            <a:r>
-              <a:rPr lang="en-US" sz="1800" dirty="0">
-                <a:effectLst/>
-                <a:latin typeface="Times New Roman" panose="02020603050405020304" pitchFamily="18" charset="0"/>
-                <a:ea typeface="Times New Roman" panose="02020603050405020304" pitchFamily="18" charset="0"/>
-              </a:rPr>
-              <a:t> </a:t>
-            </a:r>
-            <a:r>
-              <a:rPr lang="en-US" sz="1800" dirty="0" err="1">
-                <a:effectLst/>
-                <a:latin typeface="Times New Roman" panose="02020603050405020304" pitchFamily="18" charset="0"/>
-                <a:ea typeface="Times New Roman" panose="02020603050405020304" pitchFamily="18" charset="0"/>
-              </a:rPr>
-              <a:t>dụng</a:t>
-            </a:r>
-            <a:r>
-              <a:rPr lang="en-US" sz="1800" dirty="0">
-                <a:effectLst/>
-                <a:latin typeface="Times New Roman" panose="02020603050405020304" pitchFamily="18" charset="0"/>
-                <a:ea typeface="Times New Roman" panose="02020603050405020304" pitchFamily="18" charset="0"/>
-              </a:rPr>
-              <a:t>.</a:t>
-            </a:r>
-          </a:p>
-          <a:p>
+                <a:latin typeface="Times New Roman" panose="02020603050405020304" pitchFamily="18" charset="0"/>
+                <a:ea typeface="Times New Roman" panose="02020603050405020304" pitchFamily="18" charset="0"/>
+              </a:rPr>
+              <a:t>PaymentCard</a:t>
+            </a:r>
             <a:endParaRPr lang="en-US" dirty="0"/>
           </a:p>
         </p:txBody>
@@ -29053,7 +28741,7 @@
           </p:nvPr>
         </p:nvPicPr>
         <p:blipFill>
-          <a:blip r:embed="rId2">
+          <a:blip r:embed="rId2" cstate="print">
             <a:extLst>
               <a:ext uri="{28A0092B-C50C-407E-A947-70E740481C1C}">
                 <a14:useLocalDpi xmlns:a14="http://schemas.microsoft.com/office/drawing/2010/main" val="0"/>

--- a/Final Submission/Design/Slides-Eco Bike Rental - Group 18.pptx
+++ b/Final Submission/Design/Slides-Eco Bike Rental - Group 18.pptx
@@ -20416,10 +20416,10 @@
       </p:sp>
       <p:pic>
         <p:nvPicPr>
-          <p:cNvPr id="5" name="Content Placeholder 4" descr="Diagram&#10;&#10;Description automatically generated">
+          <p:cNvPr id="6" name="Content Placeholder 5">
             <a:extLst>
               <a:ext uri="{FF2B5EF4-FFF2-40B4-BE49-F238E27FC236}">
-                <a16:creationId xmlns:a16="http://schemas.microsoft.com/office/drawing/2014/main" id="{4983D750-BA6F-49BE-88B3-444627E0BA32}"/>
+                <a16:creationId xmlns:a16="http://schemas.microsoft.com/office/drawing/2014/main" id="{D1620FD9-F445-4DE5-8CEE-8BD759E0511E}"/>
               </a:ext>
             </a:extLst>
           </p:cNvPr>
@@ -20459,89 +20459,6 @@
   <p:clrMapOvr>
     <a:masterClrMapping/>
   </p:clrMapOvr>
-  <p:timing>
-    <p:tnLst>
-      <p:par>
-        <p:cTn id="1" dur="indefinite" restart="never" nodeType="tmRoot">
-          <p:childTnLst>
-            <p:seq concurrent="1" nextAc="seek">
-              <p:cTn id="2" dur="indefinite" nodeType="mainSeq">
-                <p:childTnLst>
-                  <p:par>
-                    <p:cTn id="3" fill="hold">
-                      <p:stCondLst>
-                        <p:cond delay="indefinite"/>
-                      </p:stCondLst>
-                      <p:childTnLst>
-                        <p:par>
-                          <p:cTn id="4" fill="hold">
-                            <p:stCondLst>
-                              <p:cond delay="0"/>
-                            </p:stCondLst>
-                            <p:childTnLst>
-                              <p:par>
-                                <p:cTn id="5" presetID="6" presetClass="entr" presetSubtype="16" fill="hold" nodeType="clickEffect">
-                                  <p:stCondLst>
-                                    <p:cond delay="0"/>
-                                  </p:stCondLst>
-                                  <p:childTnLst>
-                                    <p:set>
-                                      <p:cBhvr>
-                                        <p:cTn id="6" dur="1" fill="hold">
-                                          <p:stCondLst>
-                                            <p:cond delay="0"/>
-                                          </p:stCondLst>
-                                        </p:cTn>
-                                        <p:tgtEl>
-                                          <p:spTgt spid="5"/>
-                                        </p:tgtEl>
-                                        <p:attrNameLst>
-                                          <p:attrName>style.visibility</p:attrName>
-                                        </p:attrNameLst>
-                                      </p:cBhvr>
-                                      <p:to>
-                                        <p:strVal val="visible"/>
-                                      </p:to>
-                                    </p:set>
-                                    <p:animEffect transition="in" filter="circle(in)">
-                                      <p:cBhvr>
-                                        <p:cTn id="7" dur="2000"/>
-                                        <p:tgtEl>
-                                          <p:spTgt spid="5"/>
-                                        </p:tgtEl>
-                                      </p:cBhvr>
-                                    </p:animEffect>
-                                  </p:childTnLst>
-                                </p:cTn>
-                              </p:par>
-                            </p:childTnLst>
-                          </p:cTn>
-                        </p:par>
-                      </p:childTnLst>
-                    </p:cTn>
-                  </p:par>
-                </p:childTnLst>
-              </p:cTn>
-              <p:prevCondLst>
-                <p:cond evt="onPrev" delay="0">
-                  <p:tgtEl>
-                    <p:sldTgt/>
-                  </p:tgtEl>
-                </p:cond>
-              </p:prevCondLst>
-              <p:nextCondLst>
-                <p:cond evt="onNext" delay="0">
-                  <p:tgtEl>
-                    <p:sldTgt/>
-                  </p:tgtEl>
-                </p:cond>
-              </p:nextCondLst>
-            </p:seq>
-          </p:childTnLst>
-        </p:cTn>
-      </p:par>
-    </p:tnLst>
-  </p:timing>
 </p:sld>
 </file>
 
